--- a/01_메인.pptx
+++ b/01_메인.pptx
@@ -5,7 +5,7 @@
     <p:sldMasterId id="2147483660" r:id="rId1"/>
   </p:sldMasterIdLst>
   <p:notesMasterIdLst>
-    <p:notesMasterId r:id="rId10"/>
+    <p:notesMasterId r:id="rId9"/>
   </p:notesMasterIdLst>
   <p:sldIdLst>
     <p:sldId id="256" r:id="rId2"/>
@@ -14,8 +14,7 @@
     <p:sldId id="260" r:id="rId5"/>
     <p:sldId id="261" r:id="rId6"/>
     <p:sldId id="262" r:id="rId7"/>
-    <p:sldId id="263" r:id="rId8"/>
-    <p:sldId id="266" r:id="rId9"/>
+    <p:sldId id="266" r:id="rId8"/>
   </p:sldIdLst>
   <p:sldSz cx="9906000" cy="6858000" type="A4"/>
   <p:notesSz cx="6858000" cy="9144000"/>
@@ -250,7 +249,7 @@
   </p:defaultTextStyle>
   <p:extLst>
     <p:ext uri="{EFAFB233-063F-42B5-8137-9DF3F51BA10A}">
-      <p15:sldGuideLst xmlns="" xmlns:mc="http://schemas.openxmlformats.org/markup-compatibility/2006" xmlns:mv="urn:schemas-microsoft-com:mac:vml" xmlns:c="http://schemas.openxmlformats.org/drawingml/2006/chart" xmlns:dgm="http://schemas.openxmlformats.org/drawingml/2006/diagram" xmlns:o="urn:schemas-microsoft-com:office:office" xmlns:v="urn:schemas-microsoft-com:vml" xmlns:pvml="urn:schemas-microsoft-com:office:powerpoint" xmlns:com="http://schemas.openxmlformats.org/drawingml/2006/compatibility" xmlns:p14="http://schemas.microsoft.com/office/powerpoint/2010/main" xmlns:p15="http://schemas.microsoft.com/office/powerpoint/2012/main">
+      <p15:sldGuideLst xmlns:p15="http://schemas.microsoft.com/office/powerpoint/2012/main" xmlns:p14="http://schemas.microsoft.com/office/powerpoint/2010/main" xmlns:com="http://schemas.openxmlformats.org/drawingml/2006/compatibility" xmlns:pvml="urn:schemas-microsoft-com:office:powerpoint" xmlns:v="urn:schemas-microsoft-com:vml" xmlns:o="urn:schemas-microsoft-com:office:office" xmlns:dgm="http://schemas.openxmlformats.org/drawingml/2006/diagram" xmlns:c="http://schemas.openxmlformats.org/drawingml/2006/chart" xmlns:mv="urn:schemas-microsoft-com:mac:vml" xmlns:mc="http://schemas.openxmlformats.org/markup-compatibility/2006" xmlns="">
         <p15:guide id="1" orient="horz" pos="2160">
           <p15:clr>
             <a:srgbClr val="A4A3A4"/>
@@ -2362,178 +2361,6 @@
 </file>
 
 <file path=ppt/notesSlides/notesSlide7.xml><?xml version="1.0" encoding="utf-8"?>
-<p:notes xmlns:a="http://schemas.openxmlformats.org/drawingml/2006/main" xmlns:r="http://schemas.openxmlformats.org/officeDocument/2006/relationships" xmlns:p="http://schemas.openxmlformats.org/presentationml/2006/main" showMasterSp="0" showMasterPhAnim="0">
-  <p:cSld>
-    <p:spTree>
-      <p:nvGrpSpPr>
-        <p:cNvPr id="1" name="Shape 179"/>
-        <p:cNvGrpSpPr/>
-        <p:nvPr/>
-      </p:nvGrpSpPr>
-      <p:grpSpPr>
-        <a:xfrm>
-          <a:off x="0" y="0"/>
-          <a:ext cx="0" cy="0"/>
-          <a:chOff x="0" y="0"/>
-          <a:chExt cx="0" cy="0"/>
-        </a:xfrm>
-      </p:grpSpPr>
-      <p:sp>
-        <p:nvSpPr>
-          <p:cNvPr id="180" name="Google Shape;180;p8:notes"/>
-          <p:cNvSpPr>
-            <a:spLocks noGrp="1" noRot="1" noChangeAspect="1"/>
-          </p:cNvSpPr>
-          <p:nvPr>
-            <p:ph type="sldImg" idx="2"/>
-          </p:nvPr>
-        </p:nvSpPr>
-        <p:spPr>
-          <a:xfrm>
-            <a:off x="1200150" y="1143000"/>
-            <a:ext cx="4457700" cy="3086100"/>
-          </a:xfrm>
-          <a:custGeom>
-            <a:avLst/>
-            <a:gdLst/>
-            <a:ahLst/>
-            <a:cxnLst/>
-            <a:rect l="l" t="t" r="r" b="b"/>
-            <a:pathLst>
-              <a:path w="120000" h="120000" extrusionOk="0">
-                <a:moveTo>
-                  <a:pt x="0" y="0"/>
-                </a:moveTo>
-                <a:lnTo>
-                  <a:pt x="120000" y="0"/>
-                </a:lnTo>
-                <a:lnTo>
-                  <a:pt x="120000" y="120000"/>
-                </a:lnTo>
-                <a:lnTo>
-                  <a:pt x="0" y="120000"/>
-                </a:lnTo>
-                <a:close/>
-              </a:path>
-            </a:pathLst>
-          </a:custGeom>
-          <a:noFill/>
-          <a:ln w="12700" cap="flat" cmpd="sng">
-            <a:solidFill>
-              <a:srgbClr val="000000"/>
-            </a:solidFill>
-            <a:prstDash val="solid"/>
-            <a:round/>
-            <a:headEnd type="none" w="sm" len="sm"/>
-            <a:tailEnd type="none" w="sm" len="sm"/>
-          </a:ln>
-        </p:spPr>
-      </p:sp>
-      <p:sp>
-        <p:nvSpPr>
-          <p:cNvPr id="181" name="Google Shape;181;p8:notes"/>
-          <p:cNvSpPr txBox="1">
-            <a:spLocks noGrp="1"/>
-          </p:cNvSpPr>
-          <p:nvPr>
-            <p:ph type="body" idx="1"/>
-          </p:nvPr>
-        </p:nvSpPr>
-        <p:spPr>
-          <a:xfrm>
-            <a:off x="685800" y="4400550"/>
-            <a:ext cx="5486400" cy="3600450"/>
-          </a:xfrm>
-          <a:prstGeom prst="rect">
-            <a:avLst/>
-          </a:prstGeom>
-          <a:noFill/>
-          <a:ln>
-            <a:noFill/>
-          </a:ln>
-        </p:spPr>
-        <p:txBody>
-          <a:bodyPr spcFirstLastPara="1" wrap="square" lIns="91425" tIns="45700" rIns="91425" bIns="45700" anchor="t" anchorCtr="0">
-            <a:noAutofit/>
-          </a:bodyPr>
-          <a:lstStyle/>
-          <a:p>
-            <a:pPr marL="0" lvl="0" indent="0" algn="l" rtl="0">
-              <a:spcBef>
-                <a:spcPts val="0"/>
-              </a:spcBef>
-              <a:spcAft>
-                <a:spcPts val="0"/>
-              </a:spcAft>
-              <a:buNone/>
-            </a:pPr>
-            <a:endParaRPr/>
-          </a:p>
-        </p:txBody>
-      </p:sp>
-      <p:sp>
-        <p:nvSpPr>
-          <p:cNvPr id="182" name="Google Shape;182;p8:notes"/>
-          <p:cNvSpPr txBox="1">
-            <a:spLocks noGrp="1"/>
-          </p:cNvSpPr>
-          <p:nvPr>
-            <p:ph type="sldNum" idx="12"/>
-          </p:nvPr>
-        </p:nvSpPr>
-        <p:spPr>
-          <a:xfrm>
-            <a:off x="3884613" y="8685213"/>
-            <a:ext cx="2971800" cy="458787"/>
-          </a:xfrm>
-          <a:prstGeom prst="rect">
-            <a:avLst/>
-          </a:prstGeom>
-          <a:noFill/>
-          <a:ln>
-            <a:noFill/>
-          </a:ln>
-        </p:spPr>
-        <p:txBody>
-          <a:bodyPr spcFirstLastPara="1" wrap="square" lIns="91425" tIns="45700" rIns="91425" bIns="45700" anchor="b" anchorCtr="0">
-            <a:noAutofit/>
-          </a:bodyPr>
-          <a:lstStyle/>
-          <a:p>
-            <a:pPr marL="0" lvl="0" indent="0" algn="r" rtl="0">
-              <a:spcBef>
-                <a:spcPts val="0"/>
-              </a:spcBef>
-              <a:spcAft>
-                <a:spcPts val="0"/>
-              </a:spcAft>
-              <a:buNone/>
-            </a:pPr>
-            <a:fld id="{00000000-1234-1234-1234-123412341234}" type="slidenum">
-              <a:rPr lang="en-US" altLang="ko-KR">
-                <a:solidFill>
-                  <a:srgbClr val="000000"/>
-                </a:solidFill>
-              </a:rPr>
-              <a:t>7</a:t>
-            </a:fld>
-            <a:endParaRPr>
-              <a:solidFill>
-                <a:srgbClr val="000000"/>
-              </a:solidFill>
-            </a:endParaRPr>
-          </a:p>
-        </p:txBody>
-      </p:sp>
-    </p:spTree>
-  </p:cSld>
-  <p:clrMapOvr>
-    <a:masterClrMapping/>
-  </p:clrMapOvr>
-</p:notes>
-</file>
-
-<file path=ppt/notesSlides/notesSlide8.xml><?xml version="1.0" encoding="utf-8"?>
 <p:notes xmlns:a="http://schemas.openxmlformats.org/drawingml/2006/main" xmlns:r="http://schemas.openxmlformats.org/officeDocument/2006/relationships" xmlns:p="http://schemas.openxmlformats.org/presentationml/2006/main" showMasterSp="0" showMasterPhAnim="0">
   <p:cSld>
     <p:spTree>
@@ -6618,7 +6445,7 @@
         <p:spPr>
           <a:xfrm>
             <a:off x="8692206" y="4882432"/>
-            <a:ext cx="1040670" cy="1631216"/>
+            <a:ext cx="1040670" cy="1246495"/>
           </a:xfrm>
           <a:prstGeom prst="rect">
             <a:avLst/>
@@ -6630,25 +6457,6 @@
             <a:spAutoFit/>
           </a:bodyPr>
           <a:lstStyle/>
-          <a:p>
-            <a:r>
-              <a:rPr lang="ko-KR" altLang="en-US" sz="2500" dirty="0" smtClean="0">
-                <a:solidFill>
-                  <a:schemeClr val="tx1"/>
-                </a:solidFill>
-                <a:latin typeface="나눔바른고딕" panose="020B0603020101020101" pitchFamily="50" charset="-127"/>
-                <a:ea typeface="나눔바른고딕" panose="020B0603020101020101" pitchFamily="50" charset="-127"/>
-              </a:rPr>
-              <a:t>손동일</a:t>
-            </a:r>
-            <a:endParaRPr lang="en-US" altLang="ko-KR" sz="2500" dirty="0" smtClean="0">
-              <a:solidFill>
-                <a:schemeClr val="tx1"/>
-              </a:solidFill>
-              <a:latin typeface="나눔바른고딕" panose="020B0603020101020101" pitchFamily="50" charset="-127"/>
-              <a:ea typeface="나눔바른고딕" panose="020B0603020101020101" pitchFamily="50" charset="-127"/>
-            </a:endParaRPr>
-          </a:p>
           <a:p>
             <a:r>
               <a:rPr lang="ko-KR" altLang="en-US" sz="2500" dirty="0" smtClean="0">
@@ -7082,7 +6890,7 @@
         <p:spPr>
           <a:xfrm>
             <a:off x="2887525" y="2589894"/>
-            <a:ext cx="2084410" cy="492443"/>
+            <a:ext cx="1793214" cy="492443"/>
           </a:xfrm>
           <a:prstGeom prst="rect">
             <a:avLst/>
@@ -7098,54 +6906,23 @@
           </a:bodyPr>
           <a:lstStyle/>
           <a:p>
-            <a:pPr marL="0" marR="0" lvl="0" indent="0" algn="l" rtl="0">
-              <a:spcBef>
-                <a:spcPts val="0"/>
-              </a:spcBef>
-              <a:spcAft>
-                <a:spcPts val="0"/>
-              </a:spcAft>
+            <a:pPr lvl="0">
               <a:buClr>
                 <a:schemeClr val="lt1"/>
               </a:buClr>
               <a:buSzPts val="3200"/>
-              <a:buFont typeface="Arial"/>
-              <a:buNone/>
             </a:pPr>
             <a:r>
-              <a:rPr lang="ko-KR" sz="3200" b="1" i="0" u="none" strike="noStrike" cap="none" dirty="0" smtClean="0">
+              <a:rPr lang="ko-KR" altLang="en-US" sz="3200" dirty="0" smtClean="0">
                 <a:solidFill>
                   <a:schemeClr val="tx1"/>
                 </a:solidFill>
                 <a:latin typeface="나눔바른고딕" panose="020B0603020101020101" pitchFamily="50" charset="-127"/>
                 <a:ea typeface="나눔바른고딕" panose="020B0603020101020101" pitchFamily="50" charset="-127"/>
-                <a:sym typeface="Arial"/>
               </a:rPr>
-              <a:t>Koitt</a:t>
-            </a:r>
-            <a:r>
-              <a:rPr lang="en-US" altLang="ko-KR" sz="3200" b="1" i="0" u="none" strike="noStrike" cap="none" dirty="0" smtClean="0">
-                <a:solidFill>
-                  <a:schemeClr val="tx1"/>
-                </a:solidFill>
-                <a:latin typeface="나눔바른고딕" panose="020B0603020101020101" pitchFamily="50" charset="-127"/>
-                <a:ea typeface="나눔바른고딕" panose="020B0603020101020101" pitchFamily="50" charset="-127"/>
-                <a:sym typeface="Arial"/>
-              </a:rPr>
-              <a:t> </a:t>
-            </a:r>
-            <a:r>
-              <a:rPr lang="ko-KR" sz="3200" b="1" i="0" u="none" strike="noStrike" cap="none" dirty="0" smtClean="0">
-                <a:solidFill>
-                  <a:schemeClr val="tx1"/>
-                </a:solidFill>
-                <a:latin typeface="나눔바른고딕" panose="020B0603020101020101" pitchFamily="50" charset="-127"/>
-                <a:ea typeface="나눔바른고딕" panose="020B0603020101020101" pitchFamily="50" charset="-127"/>
-                <a:sym typeface="Arial"/>
-              </a:rPr>
-              <a:t>No.1</a:t>
-            </a:r>
-            <a:endParaRPr dirty="0">
+              <a:t>주제 선정</a:t>
+            </a:r>
+            <a:endParaRPr lang="ko-KR" altLang="en-US" sz="3200" dirty="0">
               <a:solidFill>
                 <a:schemeClr val="tx1"/>
               </a:solidFill>
@@ -7164,7 +6941,7 @@
         <p:spPr>
           <a:xfrm>
             <a:off x="3643639" y="3472266"/>
-            <a:ext cx="4106306" cy="492443"/>
+            <a:ext cx="1576851" cy="492443"/>
           </a:xfrm>
           <a:prstGeom prst="rect">
             <a:avLst/>
@@ -7180,38 +6957,28 @@
           </a:bodyPr>
           <a:lstStyle/>
           <a:p>
-            <a:pPr marL="0" marR="0" lvl="0" indent="0" algn="l" rtl="0">
-              <a:spcBef>
-                <a:spcPts val="0"/>
-              </a:spcBef>
-              <a:spcAft>
-                <a:spcPts val="0"/>
-              </a:spcAft>
+            <a:pPr lvl="0">
               <a:buClr>
                 <a:schemeClr val="lt1"/>
               </a:buClr>
               <a:buSzPts val="3200"/>
-              <a:buFont typeface="Arial"/>
-              <a:buNone/>
             </a:pPr>
             <a:r>
-              <a:rPr lang="ko-KR" sz="3200" b="0" i="0" u="none" strike="noStrike" cap="none" dirty="0">
+              <a:rPr lang="ko-KR" altLang="en-US" sz="3200" dirty="0">
                 <a:solidFill>
                   <a:schemeClr val="tx1"/>
                 </a:solidFill>
                 <a:latin typeface="나눔바른고딕" panose="020B0603020101020101" pitchFamily="50" charset="-127"/>
                 <a:ea typeface="나눔바른고딕" panose="020B0603020101020101" pitchFamily="50" charset="-127"/>
-                <a:sym typeface="Arial"/>
               </a:rPr>
-              <a:t>위탁판매 의류 쇼핑몰</a:t>
-            </a:r>
-            <a:endParaRPr sz="3200" b="0" i="0" u="none" strike="noStrike" cap="none" dirty="0">
+              <a:t>벤치마킹</a:t>
+            </a:r>
+            <a:endParaRPr lang="ko-KR" altLang="en-US" sz="3200" dirty="0">
               <a:solidFill>
                 <a:schemeClr val="tx1"/>
               </a:solidFill>
               <a:latin typeface="나눔바른고딕" panose="020B0603020101020101" pitchFamily="50" charset="-127"/>
               <a:ea typeface="나눔바른고딕" panose="020B0603020101020101" pitchFamily="50" charset="-127"/>
-              <a:sym typeface="Arial"/>
             </a:endParaRPr>
           </a:p>
         </p:txBody>
@@ -7352,11 +7119,11 @@
               <a:buNone/>
             </a:pPr>
             <a:r>
-              <a:rPr lang="ko-KR" dirty="0">
+              <a:rPr lang="ko-KR" altLang="en-US" dirty="0" smtClean="0">
                 <a:latin typeface="나눔바른고딕" panose="020B0603020101020101" pitchFamily="50" charset="-127"/>
                 <a:ea typeface="나눔바른고딕" panose="020B0603020101020101" pitchFamily="50" charset="-127"/>
               </a:rPr>
-              <a:t>위탁판매 의류 쇼핑몰</a:t>
+              <a:t>주제 선정</a:t>
             </a:r>
             <a:endParaRPr dirty="0">
               <a:latin typeface="나눔바른고딕" panose="020B0603020101020101" pitchFamily="50" charset="-127"/>
@@ -7400,7 +7167,27 @@
               <a:buNone/>
             </a:pPr>
             <a:r>
-              <a:rPr lang="ko-KR" sz="2000" b="0" i="0" u="none" strike="noStrike" cap="none">
+              <a:rPr lang="en-US" altLang="ko-KR" sz="2000" dirty="0">
+                <a:solidFill>
+                  <a:srgbClr val="3E3D43"/>
+                </a:solidFill>
+                <a:latin typeface="나눔바른고딕" panose="020B0603020101020101" pitchFamily="50" charset="-127"/>
+                <a:ea typeface="나눔바른고딕" panose="020B0603020101020101" pitchFamily="50" charset="-127"/>
+              </a:rPr>
+              <a:t>	</a:t>
+            </a:r>
+            <a:r>
+              <a:rPr lang="en-US" altLang="ko-KR" sz="2000" dirty="0" smtClean="0">
+                <a:solidFill>
+                  <a:srgbClr val="3E3D43"/>
+                </a:solidFill>
+                <a:latin typeface="나눔바른고딕" panose="020B0603020101020101" pitchFamily="50" charset="-127"/>
+                <a:ea typeface="나눔바른고딕" panose="020B0603020101020101" pitchFamily="50" charset="-127"/>
+              </a:rPr>
+              <a:t>	</a:t>
+            </a:r>
+            <a:r>
+              <a:rPr lang="ko-KR" sz="2000" b="0" i="0" u="none" strike="noStrike" cap="none" dirty="0" smtClean="0">
                 <a:solidFill>
                   <a:srgbClr val="3E3D43"/>
                 </a:solidFill>
@@ -7408,9 +7195,31 @@
                 <a:ea typeface="나눔바른고딕" panose="020B0603020101020101" pitchFamily="50" charset="-127"/>
                 <a:sym typeface="Arial"/>
               </a:rPr>
-              <a:t>	위탁판매</a:t>
-            </a:r>
-            <a:endParaRPr sz="2000" b="0" i="0" u="none" strike="noStrike" cap="none">
+              <a:t>위탁판매</a:t>
+            </a:r>
+            <a:r>
+              <a:rPr lang="en-US" altLang="ko-KR" sz="2000" b="0" i="0" u="none" strike="noStrike" cap="none" dirty="0" smtClean="0">
+                <a:solidFill>
+                  <a:srgbClr val="3E3D43"/>
+                </a:solidFill>
+                <a:latin typeface="나눔바른고딕" panose="020B0603020101020101" pitchFamily="50" charset="-127"/>
+                <a:ea typeface="나눔바른고딕" panose="020B0603020101020101" pitchFamily="50" charset="-127"/>
+                <a:sym typeface="Arial"/>
+              </a:rPr>
+              <a:t> </a:t>
+            </a:r>
+            <a:r>
+              <a:rPr lang="ko-KR" altLang="en-US" sz="2000" b="0" i="0" u="none" strike="noStrike" cap="none" dirty="0" smtClean="0">
+                <a:solidFill>
+                  <a:srgbClr val="3E3D43"/>
+                </a:solidFill>
+                <a:latin typeface="나눔바른고딕" panose="020B0603020101020101" pitchFamily="50" charset="-127"/>
+                <a:ea typeface="나눔바른고딕" panose="020B0603020101020101" pitchFamily="50" charset="-127"/>
+                <a:sym typeface="Arial"/>
+              </a:rPr>
+              <a:t>의류 쇼핑몰</a:t>
+            </a:r>
+            <a:endParaRPr sz="2000" b="0" i="0" u="none" strike="noStrike" cap="none" dirty="0" smtClean="0">
               <a:solidFill>
                 <a:srgbClr val="3E3D43"/>
               </a:solidFill>
@@ -7429,7 +7238,7 @@
               </a:spcAft>
               <a:buNone/>
             </a:pPr>
-            <a:endParaRPr sz="1600" b="0" i="0" u="none" strike="noStrike" cap="none">
+            <a:endParaRPr sz="1600" b="0" i="0" u="none" strike="noStrike" cap="none" dirty="0" smtClean="0">
               <a:solidFill>
                 <a:srgbClr val="3E3D43"/>
               </a:solidFill>
@@ -7454,16 +7263,36 @@
               <a:buChar char="•"/>
             </a:pPr>
             <a:r>
-              <a:rPr lang="ko-KR" sz="1600">
+              <a:rPr lang="ko-KR" sz="1600" dirty="0" err="1" smtClean="0">
                 <a:solidFill>
                   <a:srgbClr val="3E3D43"/>
                 </a:solidFill>
                 <a:latin typeface="나눔바른고딕" panose="020B0603020101020101" pitchFamily="50" charset="-127"/>
                 <a:ea typeface="나눔바른고딕" panose="020B0603020101020101" pitchFamily="50" charset="-127"/>
               </a:rPr>
-              <a:t>입점업체로부터 일정량의 제품을 받아놓고 구매자에게 판매되지 않은 상품들은 다시 환불하는 형태</a:t>
-            </a:r>
-            <a:endParaRPr sz="1600" b="0" i="0" u="none" strike="noStrike" cap="none">
+              <a:t>입점업체로부터</a:t>
+            </a:r>
+            <a:r>
+              <a:rPr lang="ko-KR" sz="1600" dirty="0" smtClean="0">
+                <a:solidFill>
+                  <a:srgbClr val="3E3D43"/>
+                </a:solidFill>
+                <a:latin typeface="나눔바른고딕" panose="020B0603020101020101" pitchFamily="50" charset="-127"/>
+                <a:ea typeface="나눔바른고딕" panose="020B0603020101020101" pitchFamily="50" charset="-127"/>
+              </a:rPr>
+              <a:t> </a:t>
+            </a:r>
+            <a:r>
+              <a:rPr lang="ko-KR" sz="1600" dirty="0">
+                <a:solidFill>
+                  <a:srgbClr val="3E3D43"/>
+                </a:solidFill>
+                <a:latin typeface="나눔바른고딕" panose="020B0603020101020101" pitchFamily="50" charset="-127"/>
+                <a:ea typeface="나눔바른고딕" panose="020B0603020101020101" pitchFamily="50" charset="-127"/>
+              </a:rPr>
+              <a:t>일정량의 제품을 받아놓고 구매자에게 판매되지 않은 상품들은 다시 환불하는 형태</a:t>
+            </a:r>
+            <a:endParaRPr sz="1600" b="0" i="0" u="none" strike="noStrike" cap="none" dirty="0">
               <a:solidFill>
                 <a:srgbClr val="3E3D43"/>
               </a:solidFill>
@@ -7487,7 +7316,7 @@
               <a:buFont typeface="Arial"/>
               <a:buNone/>
             </a:pPr>
-            <a:endParaRPr sz="1600">
+            <a:endParaRPr sz="1600" dirty="0">
               <a:solidFill>
                 <a:srgbClr val="3E3D43"/>
               </a:solidFill>
@@ -7511,7 +7340,7 @@
               <a:buChar char="•"/>
             </a:pPr>
             <a:r>
-              <a:rPr lang="ko-KR" sz="1600" b="0" i="0" u="none" strike="noStrike" cap="none">
+              <a:rPr lang="ko-KR" sz="1600" b="0" i="0" u="none" strike="noStrike" cap="none" dirty="0">
                 <a:solidFill>
                   <a:srgbClr val="3E3D43"/>
                 </a:solidFill>
@@ -7519,19 +7348,81 @@
                 <a:ea typeface="나눔바른고딕" panose="020B0603020101020101" pitchFamily="50" charset="-127"/>
                 <a:sym typeface="Arial"/>
               </a:rPr>
-              <a:t>단가가 높고 심지어 소비자가보다 높은 경우도 있어 마진률이 떨어짐(</a:t>
-            </a:r>
-            <a:r>
-              <a:rPr lang="ko-KR" sz="1600">
+              <a:t>단가가 높고 심지어 소비자가보다 높은 경우도 있어 </a:t>
+            </a:r>
+            <a:r>
+              <a:rPr lang="ko-KR" sz="1600" b="0" i="0" u="none" strike="noStrike" cap="none" dirty="0" err="1">
+                <a:solidFill>
+                  <a:srgbClr val="3E3D43"/>
+                </a:solidFill>
+                <a:latin typeface="나눔바른고딕" panose="020B0603020101020101" pitchFamily="50" charset="-127"/>
+                <a:ea typeface="나눔바른고딕" panose="020B0603020101020101" pitchFamily="50" charset="-127"/>
+                <a:sym typeface="Arial"/>
+              </a:rPr>
+              <a:t>마진률이</a:t>
+            </a:r>
+            <a:r>
+              <a:rPr lang="ko-KR" sz="1600" b="0" i="0" u="none" strike="noStrike" cap="none" dirty="0">
+                <a:solidFill>
+                  <a:srgbClr val="3E3D43"/>
+                </a:solidFill>
+                <a:latin typeface="나눔바른고딕" panose="020B0603020101020101" pitchFamily="50" charset="-127"/>
+                <a:ea typeface="나눔바른고딕" panose="020B0603020101020101" pitchFamily="50" charset="-127"/>
+                <a:sym typeface="Arial"/>
+              </a:rPr>
+              <a:t> 떨어짐(</a:t>
+            </a:r>
+            <a:r>
+              <a:rPr lang="ko-KR" sz="1600" dirty="0">
                 <a:solidFill>
                   <a:srgbClr val="3E3D43"/>
                 </a:solidFill>
                 <a:latin typeface="나눔바른고딕" panose="020B0603020101020101" pitchFamily="50" charset="-127"/>
                 <a:ea typeface="나눔바른고딕" panose="020B0603020101020101" pitchFamily="50" charset="-127"/>
               </a:rPr>
-              <a:t>자본력이 없고, 네이버 스토어 팜이나 종합몰등을 이용하여 판매할 경우  적절)</a:t>
-            </a:r>
-            <a:endParaRPr sz="1600">
+              <a:t>자본력이 없고, </a:t>
+            </a:r>
+            <a:r>
+              <a:rPr lang="ko-KR" sz="1600" dirty="0" err="1">
+                <a:solidFill>
+                  <a:srgbClr val="3E3D43"/>
+                </a:solidFill>
+                <a:latin typeface="나눔바른고딕" panose="020B0603020101020101" pitchFamily="50" charset="-127"/>
+                <a:ea typeface="나눔바른고딕" panose="020B0603020101020101" pitchFamily="50" charset="-127"/>
+              </a:rPr>
+              <a:t>네이버</a:t>
+            </a:r>
+            <a:r>
+              <a:rPr lang="ko-KR" sz="1600" dirty="0">
+                <a:solidFill>
+                  <a:srgbClr val="3E3D43"/>
+                </a:solidFill>
+                <a:latin typeface="나눔바른고딕" panose="020B0603020101020101" pitchFamily="50" charset="-127"/>
+                <a:ea typeface="나눔바른고딕" panose="020B0603020101020101" pitchFamily="50" charset="-127"/>
+              </a:rPr>
+              <a:t> 스토어 팜이나 </a:t>
+            </a:r>
+            <a:r>
+              <a:rPr lang="ko-KR" sz="1600" dirty="0" err="1">
+                <a:solidFill>
+                  <a:srgbClr val="3E3D43"/>
+                </a:solidFill>
+                <a:latin typeface="나눔바른고딕" panose="020B0603020101020101" pitchFamily="50" charset="-127"/>
+                <a:ea typeface="나눔바른고딕" panose="020B0603020101020101" pitchFamily="50" charset="-127"/>
+              </a:rPr>
+              <a:t>종합몰등을</a:t>
+            </a:r>
+            <a:r>
+              <a:rPr lang="ko-KR" sz="1600" dirty="0">
+                <a:solidFill>
+                  <a:srgbClr val="3E3D43"/>
+                </a:solidFill>
+                <a:latin typeface="나눔바른고딕" panose="020B0603020101020101" pitchFamily="50" charset="-127"/>
+                <a:ea typeface="나눔바른고딕" panose="020B0603020101020101" pitchFamily="50" charset="-127"/>
+              </a:rPr>
+              <a:t> 이용하여 판매할 경우  적절)</a:t>
+            </a:r>
+            <a:endParaRPr sz="1600" dirty="0">
               <a:solidFill>
                 <a:srgbClr val="3E3D43"/>
               </a:solidFill>
@@ -7554,7 +7445,7 @@
               <a:buFont typeface="Arial"/>
               <a:buNone/>
             </a:pPr>
-            <a:endParaRPr sz="1600" b="0" i="0" u="none" strike="noStrike" cap="none">
+            <a:endParaRPr sz="1600" b="0" i="0" u="none" strike="noStrike" cap="none" dirty="0">
               <a:solidFill>
                 <a:srgbClr val="3E3D43"/>
               </a:solidFill>
@@ -7579,7 +7470,7 @@
               <a:buChar char="•"/>
             </a:pPr>
             <a:r>
-              <a:rPr lang="ko-KR" sz="1600" b="0" i="0" u="none" strike="noStrike" cap="none">
+              <a:rPr lang="ko-KR" sz="1600" b="0" i="0" u="none" strike="noStrike" cap="none" dirty="0">
                 <a:solidFill>
                   <a:srgbClr val="3E3D43"/>
                 </a:solidFill>
@@ -7589,7 +7480,7 @@
               </a:rPr>
               <a:t>재고에 대한 부담이 없다.</a:t>
             </a:r>
-            <a:endParaRPr sz="1600">
+            <a:endParaRPr sz="1600" dirty="0">
               <a:solidFill>
                 <a:srgbClr val="3E3D43"/>
               </a:solidFill>
@@ -7607,7 +7498,7 @@
               </a:spcAft>
               <a:buNone/>
             </a:pPr>
-            <a:endParaRPr sz="1600">
+            <a:endParaRPr sz="1600" dirty="0">
               <a:solidFill>
                 <a:srgbClr val="3E3D43"/>
               </a:solidFill>
@@ -9059,20 +8950,20 @@
       </p:grpSpPr>
       <p:sp>
         <p:nvSpPr>
-          <p:cNvPr id="147" name="Google Shape;147;p18"/>
+          <p:cNvPr id="153" name="Google Shape;153;p18"/>
           <p:cNvSpPr/>
           <p:nvPr/>
         </p:nvSpPr>
         <p:spPr>
           <a:xfrm rot="10800000" flipH="1">
-            <a:off x="1144855" y="5250412"/>
+            <a:off x="2017599" y="5441491"/>
             <a:ext cx="1745493" cy="38697"/>
           </a:xfrm>
           <a:prstGeom prst="rect">
             <a:avLst/>
           </a:prstGeom>
           <a:solidFill>
-            <a:srgbClr val="596273"/>
+            <a:srgbClr val="3E3D43"/>
           </a:solidFill>
           <a:ln>
             <a:noFill/>
@@ -9107,20 +8998,20 @@
       </p:sp>
       <p:sp>
         <p:nvSpPr>
-          <p:cNvPr id="148" name="Google Shape;148;p18"/>
+          <p:cNvPr id="154" name="Google Shape;154;p18"/>
           <p:cNvSpPr/>
           <p:nvPr/>
         </p:nvSpPr>
         <p:spPr>
           <a:xfrm>
-            <a:off x="1106764" y="1930402"/>
+            <a:off x="1979509" y="2121481"/>
             <a:ext cx="1821674" cy="382161"/>
           </a:xfrm>
           <a:prstGeom prst="rect">
             <a:avLst/>
           </a:prstGeom>
           <a:solidFill>
-            <a:srgbClr val="596273"/>
+            <a:srgbClr val="3E3D43"/>
           </a:solidFill>
           <a:ln>
             <a:noFill/>
@@ -9142,7 +9033,7 @@
               <a:buNone/>
             </a:pPr>
             <a:r>
-              <a:rPr lang="ko-KR" sz="1600" b="1">
+              <a:rPr lang="ko-KR" sz="1600" b="1" dirty="0">
                 <a:solidFill>
                   <a:schemeClr val="lt1"/>
                 </a:solidFill>
@@ -9150,31 +9041,35 @@
                 <a:ea typeface="나눔바른고딕" panose="020B0603020101020101" pitchFamily="50" charset="-127"/>
                 <a:sym typeface="Arial"/>
               </a:rPr>
-              <a:t>커뮤니티</a:t>
-            </a:r>
-            <a:endParaRPr>
+              <a:t>마이 페이지</a:t>
+            </a:r>
+            <a:endParaRPr sz="1600" b="1" dirty="0">
+              <a:solidFill>
+                <a:schemeClr val="lt1"/>
+              </a:solidFill>
               <a:latin typeface="나눔바른고딕" panose="020B0603020101020101" pitchFamily="50" charset="-127"/>
               <a:ea typeface="나눔바른고딕" panose="020B0603020101020101" pitchFamily="50" charset="-127"/>
+              <a:sym typeface="Arial"/>
             </a:endParaRPr>
           </a:p>
         </p:txBody>
       </p:sp>
       <p:sp>
         <p:nvSpPr>
-          <p:cNvPr id="149" name="Google Shape;149;p18"/>
+          <p:cNvPr id="155" name="Google Shape;155;p18"/>
           <p:cNvSpPr/>
           <p:nvPr/>
         </p:nvSpPr>
         <p:spPr>
           <a:xfrm rot="10800000" flipH="1">
-            <a:off x="1144855" y="2518361"/>
+            <a:off x="2017599" y="2709440"/>
             <a:ext cx="1745493" cy="38697"/>
           </a:xfrm>
           <a:prstGeom prst="rect">
             <a:avLst/>
           </a:prstGeom>
           <a:solidFill>
-            <a:srgbClr val="596273"/>
+            <a:srgbClr val="3E3D43"/>
           </a:solidFill>
           <a:ln>
             <a:noFill/>
@@ -9209,13 +9104,309 @@
       </p:sp>
       <p:sp>
         <p:nvSpPr>
-          <p:cNvPr id="151" name="Google Shape;151;p18"/>
+          <p:cNvPr id="157" name="Google Shape;157;p18"/>
           <p:cNvSpPr/>
           <p:nvPr/>
         </p:nvSpPr>
         <p:spPr>
           <a:xfrm rot="10800000">
-            <a:off x="1917640" y="2531115"/>
+            <a:off x="2790385" y="2722194"/>
+            <a:ext cx="199922" cy="162899"/>
+          </a:xfrm>
+          <a:prstGeom prst="triangle">
+            <a:avLst>
+              <a:gd name="adj" fmla="val 50000"/>
+            </a:avLst>
+          </a:prstGeom>
+          <a:solidFill>
+            <a:srgbClr val="3E3D43"/>
+          </a:solidFill>
+          <a:ln>
+            <a:noFill/>
+          </a:ln>
+        </p:spPr>
+        <p:txBody>
+          <a:bodyPr spcFirstLastPara="1" wrap="square" lIns="91425" tIns="45700" rIns="91425" bIns="45700" anchor="ctr" anchorCtr="0">
+            <a:noAutofit/>
+          </a:bodyPr>
+          <a:lstStyle/>
+          <a:p>
+            <a:pPr marL="0" marR="0" lvl="0" indent="0" algn="ctr" rtl="0">
+              <a:spcBef>
+                <a:spcPts val="0"/>
+              </a:spcBef>
+              <a:spcAft>
+                <a:spcPts val="0"/>
+              </a:spcAft>
+              <a:buNone/>
+            </a:pPr>
+            <a:endParaRPr sz="1534" b="1">
+              <a:solidFill>
+                <a:schemeClr val="dk1"/>
+              </a:solidFill>
+              <a:latin typeface="Arial"/>
+              <a:ea typeface="Arial"/>
+              <a:cs typeface="Arial"/>
+              <a:sym typeface="Arial"/>
+            </a:endParaRPr>
+          </a:p>
+        </p:txBody>
+      </p:sp>
+      <p:sp>
+        <p:nvSpPr>
+          <p:cNvPr id="158" name="Google Shape;158;p18"/>
+          <p:cNvSpPr/>
+          <p:nvPr/>
+        </p:nvSpPr>
+        <p:spPr>
+          <a:xfrm>
+            <a:off x="2042923" y="2939646"/>
+            <a:ext cx="1694846" cy="2727197"/>
+          </a:xfrm>
+          <a:prstGeom prst="rect">
+            <a:avLst/>
+          </a:prstGeom>
+          <a:noFill/>
+          <a:ln>
+            <a:noFill/>
+          </a:ln>
+        </p:spPr>
+        <p:txBody>
+          <a:bodyPr spcFirstLastPara="1" wrap="square" lIns="91425" tIns="45700" rIns="91425" bIns="45700" anchor="t" anchorCtr="0">
+            <a:noAutofit/>
+          </a:bodyPr>
+          <a:lstStyle/>
+          <a:p>
+            <a:pPr marL="86575" marR="0" lvl="0" indent="-101600" algn="l" rtl="0">
+              <a:spcBef>
+                <a:spcPts val="0"/>
+              </a:spcBef>
+              <a:spcAft>
+                <a:spcPts val="0"/>
+              </a:spcAft>
+              <a:buClr>
+                <a:srgbClr val="3E3D43"/>
+              </a:buClr>
+              <a:buSzPts val="1600"/>
+              <a:buFont typeface="Arial"/>
+              <a:buChar char="•"/>
+            </a:pPr>
+            <a:r>
+              <a:rPr lang="ko-KR" sz="1600">
+                <a:solidFill>
+                  <a:srgbClr val="3E3D43"/>
+                </a:solidFill>
+                <a:latin typeface="나눔바른고딕" panose="020B0603020101020101" pitchFamily="50" charset="-127"/>
+                <a:ea typeface="나눔바른고딕" panose="020B0603020101020101" pitchFamily="50" charset="-127"/>
+                <a:sym typeface="Arial"/>
+              </a:rPr>
+              <a:t>회원 정보 수정이 있는가?</a:t>
+            </a:r>
+            <a:endParaRPr sz="1600">
+              <a:solidFill>
+                <a:srgbClr val="3E3D43"/>
+              </a:solidFill>
+              <a:latin typeface="나눔바른고딕" panose="020B0603020101020101" pitchFamily="50" charset="-127"/>
+              <a:ea typeface="나눔바른고딕" panose="020B0603020101020101" pitchFamily="50" charset="-127"/>
+              <a:sym typeface="Arial"/>
+            </a:endParaRPr>
+          </a:p>
+          <a:p>
+            <a:pPr marL="86575" marR="0" lvl="0" indent="-101600" algn="l" rtl="0">
+              <a:spcBef>
+                <a:spcPts val="681"/>
+              </a:spcBef>
+              <a:spcAft>
+                <a:spcPts val="0"/>
+              </a:spcAft>
+              <a:buClr>
+                <a:srgbClr val="3E3D43"/>
+              </a:buClr>
+              <a:buSzPts val="1600"/>
+              <a:buFont typeface="Arial"/>
+              <a:buChar char="•"/>
+            </a:pPr>
+            <a:r>
+              <a:rPr lang="ko-KR" sz="1600">
+                <a:solidFill>
+                  <a:srgbClr val="3E3D43"/>
+                </a:solidFill>
+                <a:latin typeface="나눔바른고딕" panose="020B0603020101020101" pitchFamily="50" charset="-127"/>
+                <a:ea typeface="나눔바른고딕" panose="020B0603020101020101" pitchFamily="50" charset="-127"/>
+                <a:sym typeface="Arial"/>
+              </a:rPr>
+              <a:t>회원 탈퇴가 있는가?</a:t>
+            </a:r>
+            <a:endParaRPr sz="1600">
+              <a:solidFill>
+                <a:srgbClr val="3E3D43"/>
+              </a:solidFill>
+              <a:latin typeface="나눔바른고딕" panose="020B0603020101020101" pitchFamily="50" charset="-127"/>
+              <a:ea typeface="나눔바른고딕" panose="020B0603020101020101" pitchFamily="50" charset="-127"/>
+              <a:sym typeface="Arial"/>
+            </a:endParaRPr>
+          </a:p>
+        </p:txBody>
+      </p:sp>
+      <p:sp>
+        <p:nvSpPr>
+          <p:cNvPr id="159" name="Google Shape;159;p18"/>
+          <p:cNvSpPr/>
+          <p:nvPr/>
+        </p:nvSpPr>
+        <p:spPr>
+          <a:xfrm rot="10800000" flipH="1">
+            <a:off x="3990028" y="5441491"/>
+            <a:ext cx="1745493" cy="38697"/>
+          </a:xfrm>
+          <a:prstGeom prst="rect">
+            <a:avLst/>
+          </a:prstGeom>
+          <a:solidFill>
+            <a:srgbClr val="596273"/>
+          </a:solidFill>
+          <a:ln>
+            <a:noFill/>
+          </a:ln>
+        </p:spPr>
+        <p:txBody>
+          <a:bodyPr spcFirstLastPara="1" wrap="square" lIns="91425" tIns="45700" rIns="91425" bIns="45700" anchor="ctr" anchorCtr="0">
+            <a:noAutofit/>
+          </a:bodyPr>
+          <a:lstStyle/>
+          <a:p>
+            <a:pPr marL="0" marR="0" lvl="0" indent="0" algn="ctr" rtl="0">
+              <a:spcBef>
+                <a:spcPts val="0"/>
+              </a:spcBef>
+              <a:spcAft>
+                <a:spcPts val="0"/>
+              </a:spcAft>
+              <a:buNone/>
+            </a:pPr>
+            <a:endParaRPr sz="1534" b="1">
+              <a:solidFill>
+                <a:schemeClr val="dk1"/>
+              </a:solidFill>
+              <a:latin typeface="Arial"/>
+              <a:ea typeface="Arial"/>
+              <a:cs typeface="Arial"/>
+              <a:sym typeface="Arial"/>
+            </a:endParaRPr>
+          </a:p>
+        </p:txBody>
+      </p:sp>
+      <p:sp>
+        <p:nvSpPr>
+          <p:cNvPr id="160" name="Google Shape;160;p18"/>
+          <p:cNvSpPr/>
+          <p:nvPr/>
+        </p:nvSpPr>
+        <p:spPr>
+          <a:xfrm>
+            <a:off x="3951938" y="2121481"/>
+            <a:ext cx="1821674" cy="382161"/>
+          </a:xfrm>
+          <a:prstGeom prst="rect">
+            <a:avLst/>
+          </a:prstGeom>
+          <a:solidFill>
+            <a:srgbClr val="596273"/>
+          </a:solidFill>
+          <a:ln>
+            <a:noFill/>
+          </a:ln>
+        </p:spPr>
+        <p:txBody>
+          <a:bodyPr spcFirstLastPara="1" wrap="square" lIns="91425" tIns="45700" rIns="91425" bIns="45700" anchor="ctr" anchorCtr="0">
+            <a:noAutofit/>
+          </a:bodyPr>
+          <a:lstStyle/>
+          <a:p>
+            <a:pPr marL="0" marR="0" lvl="0" indent="0" algn="ctr" rtl="0">
+              <a:spcBef>
+                <a:spcPts val="0"/>
+              </a:spcBef>
+              <a:spcAft>
+                <a:spcPts val="0"/>
+              </a:spcAft>
+              <a:buNone/>
+            </a:pPr>
+            <a:r>
+              <a:rPr lang="ko-KR" sz="1600" b="1">
+                <a:solidFill>
+                  <a:schemeClr val="lt1"/>
+                </a:solidFill>
+                <a:latin typeface="나눔바른고딕" panose="020B0603020101020101" pitchFamily="50" charset="-127"/>
+                <a:ea typeface="나눔바른고딕" panose="020B0603020101020101" pitchFamily="50" charset="-127"/>
+                <a:sym typeface="Arial"/>
+              </a:rPr>
+              <a:t>상품</a:t>
+            </a:r>
+            <a:endParaRPr>
+              <a:latin typeface="나눔바른고딕" panose="020B0603020101020101" pitchFamily="50" charset="-127"/>
+              <a:ea typeface="나눔바른고딕" panose="020B0603020101020101" pitchFamily="50" charset="-127"/>
+            </a:endParaRPr>
+          </a:p>
+        </p:txBody>
+      </p:sp>
+      <p:sp>
+        <p:nvSpPr>
+          <p:cNvPr id="161" name="Google Shape;161;p18"/>
+          <p:cNvSpPr/>
+          <p:nvPr/>
+        </p:nvSpPr>
+        <p:spPr>
+          <a:xfrm rot="10800000" flipH="1">
+            <a:off x="3990028" y="2709440"/>
+            <a:ext cx="1745493" cy="38697"/>
+          </a:xfrm>
+          <a:prstGeom prst="rect">
+            <a:avLst/>
+          </a:prstGeom>
+          <a:solidFill>
+            <a:srgbClr val="596273"/>
+          </a:solidFill>
+          <a:ln>
+            <a:noFill/>
+          </a:ln>
+        </p:spPr>
+        <p:txBody>
+          <a:bodyPr spcFirstLastPara="1" wrap="square" lIns="91425" tIns="45700" rIns="91425" bIns="45700" anchor="ctr" anchorCtr="0">
+            <a:noAutofit/>
+          </a:bodyPr>
+          <a:lstStyle/>
+          <a:p>
+            <a:pPr marL="0" marR="0" lvl="0" indent="0" algn="ctr" rtl="0">
+              <a:spcBef>
+                <a:spcPts val="0"/>
+              </a:spcBef>
+              <a:spcAft>
+                <a:spcPts val="0"/>
+              </a:spcAft>
+              <a:buNone/>
+            </a:pPr>
+            <a:endParaRPr sz="1534" b="1">
+              <a:solidFill>
+                <a:schemeClr val="dk1"/>
+              </a:solidFill>
+              <a:latin typeface="Arial"/>
+              <a:ea typeface="Arial"/>
+              <a:cs typeface="Arial"/>
+              <a:sym typeface="Arial"/>
+            </a:endParaRPr>
+          </a:p>
+        </p:txBody>
+      </p:sp>
+      <p:sp>
+        <p:nvSpPr>
+          <p:cNvPr id="163" name="Google Shape;163;p18"/>
+          <p:cNvSpPr/>
+          <p:nvPr/>
+        </p:nvSpPr>
+        <p:spPr>
+          <a:xfrm rot="10800000">
+            <a:off x="4762813" y="2722194"/>
             <a:ext cx="199922" cy="162899"/>
           </a:xfrm>
           <a:prstGeom prst="triangle">
@@ -9259,13 +9450,13 @@
       </p:sp>
       <p:sp>
         <p:nvSpPr>
-          <p:cNvPr id="152" name="Google Shape;152;p18"/>
+          <p:cNvPr id="164" name="Google Shape;164;p18"/>
           <p:cNvSpPr/>
           <p:nvPr/>
         </p:nvSpPr>
         <p:spPr>
           <a:xfrm>
-            <a:off x="1170179" y="2748567"/>
+            <a:off x="4015352" y="2939646"/>
             <a:ext cx="1694846" cy="2727197"/>
           </a:xfrm>
           <a:prstGeom prst="rect">
@@ -9305,7 +9496,38 @@
                 <a:ea typeface="나눔바른고딕" panose="020B0603020101020101" pitchFamily="50" charset="-127"/>
                 <a:sym typeface="Arial"/>
               </a:rPr>
-              <a:t>자유 게시판이 있는가?</a:t>
+              <a:t>상품들을 담을 수 있는가?</a:t>
+            </a:r>
+            <a:endParaRPr>
+              <a:latin typeface="나눔바른고딕" panose="020B0603020101020101" pitchFamily="50" charset="-127"/>
+              <a:ea typeface="나눔바른고딕" panose="020B0603020101020101" pitchFamily="50" charset="-127"/>
+            </a:endParaRPr>
+          </a:p>
+          <a:p>
+            <a:pPr marL="86575" marR="0" lvl="0" indent="-101600" algn="l" rtl="0">
+              <a:spcBef>
+                <a:spcPts val="681"/>
+              </a:spcBef>
+              <a:spcAft>
+                <a:spcPts val="0"/>
+              </a:spcAft>
+              <a:buClr>
+                <a:srgbClr val="3E3D43"/>
+              </a:buClr>
+              <a:buSzPts val="1600"/>
+              <a:buFont typeface="Arial"/>
+              <a:buChar char="•"/>
+            </a:pPr>
+            <a:r>
+              <a:rPr lang="ko-KR" sz="1600">
+                <a:solidFill>
+                  <a:srgbClr val="3E3D43"/>
+                </a:solidFill>
+                <a:latin typeface="나눔바른고딕" panose="020B0603020101020101" pitchFamily="50" charset="-127"/>
+                <a:ea typeface="나눔바른고딕" panose="020B0603020101020101" pitchFamily="50" charset="-127"/>
+                <a:sym typeface="Arial"/>
+              </a:rPr>
+              <a:t>비회원으로 구매 할 수 있는가?</a:t>
             </a:r>
             <a:endParaRPr sz="1600">
               <a:solidFill>
@@ -9316,52 +9538,17 @@
               <a:sym typeface="Arial"/>
             </a:endParaRPr>
           </a:p>
-          <a:p>
-            <a:pPr marL="86575" marR="0" lvl="0" indent="-101600" algn="l" rtl="0">
-              <a:spcBef>
-                <a:spcPts val="681"/>
-              </a:spcBef>
-              <a:spcAft>
-                <a:spcPts val="0"/>
-              </a:spcAft>
-              <a:buClr>
-                <a:srgbClr val="3E3D43"/>
-              </a:buClr>
-              <a:buSzPts val="1600"/>
-              <a:buFont typeface="Arial"/>
-              <a:buChar char="•"/>
-            </a:pPr>
-            <a:r>
-              <a:rPr lang="ko-KR" sz="1600">
-                <a:solidFill>
-                  <a:srgbClr val="3E3D43"/>
-                </a:solidFill>
-                <a:latin typeface="나눔바른고딕" panose="020B0603020101020101" pitchFamily="50" charset="-127"/>
-                <a:ea typeface="나눔바른고딕" panose="020B0603020101020101" pitchFamily="50" charset="-127"/>
-                <a:sym typeface="Arial"/>
-              </a:rPr>
-              <a:t>중고 거래 게시판이 있는가?</a:t>
-            </a:r>
-            <a:endParaRPr sz="1600">
-              <a:solidFill>
-                <a:srgbClr val="3E3D43"/>
-              </a:solidFill>
-              <a:latin typeface="나눔바른고딕" panose="020B0603020101020101" pitchFamily="50" charset="-127"/>
-              <a:ea typeface="나눔바른고딕" panose="020B0603020101020101" pitchFamily="50" charset="-127"/>
-              <a:sym typeface="Arial"/>
-            </a:endParaRPr>
-          </a:p>
-        </p:txBody>
-      </p:sp>
-      <p:sp>
-        <p:nvSpPr>
-          <p:cNvPr id="153" name="Google Shape;153;p18"/>
+        </p:txBody>
+      </p:sp>
+      <p:sp>
+        <p:nvSpPr>
+          <p:cNvPr id="165" name="Google Shape;165;p18"/>
           <p:cNvSpPr/>
           <p:nvPr/>
         </p:nvSpPr>
         <p:spPr>
           <a:xfrm rot="10800000" flipH="1">
-            <a:off x="3117284" y="5250412"/>
+            <a:off x="5962458" y="5441491"/>
             <a:ext cx="1745493" cy="38697"/>
           </a:xfrm>
           <a:prstGeom prst="rect">
@@ -9403,13 +9590,13 @@
       </p:sp>
       <p:sp>
         <p:nvSpPr>
-          <p:cNvPr id="154" name="Google Shape;154;p18"/>
+          <p:cNvPr id="166" name="Google Shape;166;p18"/>
           <p:cNvSpPr/>
           <p:nvPr/>
         </p:nvSpPr>
         <p:spPr>
           <a:xfrm>
-            <a:off x="3079194" y="1930402"/>
+            <a:off x="5924367" y="2121481"/>
             <a:ext cx="1821674" cy="382161"/>
           </a:xfrm>
           <a:prstGeom prst="rect">
@@ -9446,28 +9633,24 @@
                 <a:ea typeface="나눔바른고딕" panose="020B0603020101020101" pitchFamily="50" charset="-127"/>
                 <a:sym typeface="Arial"/>
               </a:rPr>
-              <a:t>마이 페이지</a:t>
-            </a:r>
-            <a:endParaRPr sz="1600" b="1">
-              <a:solidFill>
-                <a:schemeClr val="lt1"/>
-              </a:solidFill>
+              <a:t>브랜드</a:t>
+            </a:r>
+            <a:endParaRPr>
               <a:latin typeface="나눔바른고딕" panose="020B0603020101020101" pitchFamily="50" charset="-127"/>
               <a:ea typeface="나눔바른고딕" panose="020B0603020101020101" pitchFamily="50" charset="-127"/>
-              <a:sym typeface="Arial"/>
             </a:endParaRPr>
           </a:p>
         </p:txBody>
       </p:sp>
       <p:sp>
         <p:nvSpPr>
-          <p:cNvPr id="155" name="Google Shape;155;p18"/>
+          <p:cNvPr id="167" name="Google Shape;167;p18"/>
           <p:cNvSpPr/>
           <p:nvPr/>
         </p:nvSpPr>
         <p:spPr>
           <a:xfrm rot="10800000" flipH="1">
-            <a:off x="3117284" y="2518361"/>
+            <a:off x="5962458" y="2709440"/>
             <a:ext cx="1745493" cy="38697"/>
           </a:xfrm>
           <a:prstGeom prst="rect">
@@ -9509,13 +9692,13 @@
       </p:sp>
       <p:sp>
         <p:nvSpPr>
-          <p:cNvPr id="157" name="Google Shape;157;p18"/>
+          <p:cNvPr id="169" name="Google Shape;169;p18"/>
           <p:cNvSpPr/>
           <p:nvPr/>
         </p:nvSpPr>
         <p:spPr>
           <a:xfrm rot="10800000">
-            <a:off x="3890070" y="2531115"/>
+            <a:off x="6735242" y="2722194"/>
             <a:ext cx="199922" cy="162899"/>
           </a:xfrm>
           <a:prstGeom prst="triangle">
@@ -9559,13 +9742,13 @@
       </p:sp>
       <p:sp>
         <p:nvSpPr>
-          <p:cNvPr id="158" name="Google Shape;158;p18"/>
+          <p:cNvPr id="170" name="Google Shape;170;p18"/>
           <p:cNvSpPr/>
           <p:nvPr/>
         </p:nvSpPr>
         <p:spPr>
           <a:xfrm>
-            <a:off x="3142608" y="2748567"/>
+            <a:off x="5987782" y="2939646"/>
             <a:ext cx="1694846" cy="2727197"/>
           </a:xfrm>
           <a:prstGeom prst="rect">
@@ -9605,148 +9788,7 @@
                 <a:ea typeface="나눔바른고딕" panose="020B0603020101020101" pitchFamily="50" charset="-127"/>
                 <a:sym typeface="Arial"/>
               </a:rPr>
-              <a:t>회원 정보 수정이 있는가?</a:t>
-            </a:r>
-            <a:endParaRPr sz="1600">
-              <a:solidFill>
-                <a:srgbClr val="3E3D43"/>
-              </a:solidFill>
-              <a:latin typeface="나눔바른고딕" panose="020B0603020101020101" pitchFamily="50" charset="-127"/>
-              <a:ea typeface="나눔바른고딕" panose="020B0603020101020101" pitchFamily="50" charset="-127"/>
-              <a:sym typeface="Arial"/>
-            </a:endParaRPr>
-          </a:p>
-          <a:p>
-            <a:pPr marL="86575" marR="0" lvl="0" indent="-101600" algn="l" rtl="0">
-              <a:spcBef>
-                <a:spcPts val="681"/>
-              </a:spcBef>
-              <a:spcAft>
-                <a:spcPts val="0"/>
-              </a:spcAft>
-              <a:buClr>
-                <a:srgbClr val="3E3D43"/>
-              </a:buClr>
-              <a:buSzPts val="1600"/>
-              <a:buFont typeface="Arial"/>
-              <a:buChar char="•"/>
-            </a:pPr>
-            <a:r>
-              <a:rPr lang="ko-KR" sz="1600">
-                <a:solidFill>
-                  <a:srgbClr val="3E3D43"/>
-                </a:solidFill>
-                <a:latin typeface="나눔바른고딕" panose="020B0603020101020101" pitchFamily="50" charset="-127"/>
-                <a:ea typeface="나눔바른고딕" panose="020B0603020101020101" pitchFamily="50" charset="-127"/>
-                <a:sym typeface="Arial"/>
-              </a:rPr>
-              <a:t>회원 탈퇴가 있는가?</a:t>
-            </a:r>
-            <a:endParaRPr sz="1600">
-              <a:solidFill>
-                <a:srgbClr val="3E3D43"/>
-              </a:solidFill>
-              <a:latin typeface="나눔바른고딕" panose="020B0603020101020101" pitchFamily="50" charset="-127"/>
-              <a:ea typeface="나눔바른고딕" panose="020B0603020101020101" pitchFamily="50" charset="-127"/>
-              <a:sym typeface="Arial"/>
-            </a:endParaRPr>
-          </a:p>
-        </p:txBody>
-      </p:sp>
-      <p:sp>
-        <p:nvSpPr>
-          <p:cNvPr id="159" name="Google Shape;159;p18"/>
-          <p:cNvSpPr/>
-          <p:nvPr/>
-        </p:nvSpPr>
-        <p:spPr>
-          <a:xfrm rot="10800000" flipH="1">
-            <a:off x="5089713" y="5250412"/>
-            <a:ext cx="1745493" cy="38697"/>
-          </a:xfrm>
-          <a:prstGeom prst="rect">
-            <a:avLst/>
-          </a:prstGeom>
-          <a:solidFill>
-            <a:srgbClr val="596273"/>
-          </a:solidFill>
-          <a:ln>
-            <a:noFill/>
-          </a:ln>
-        </p:spPr>
-        <p:txBody>
-          <a:bodyPr spcFirstLastPara="1" wrap="square" lIns="91425" tIns="45700" rIns="91425" bIns="45700" anchor="ctr" anchorCtr="0">
-            <a:noAutofit/>
-          </a:bodyPr>
-          <a:lstStyle/>
-          <a:p>
-            <a:pPr marL="0" marR="0" lvl="0" indent="0" algn="ctr" rtl="0">
-              <a:spcBef>
-                <a:spcPts val="0"/>
-              </a:spcBef>
-              <a:spcAft>
-                <a:spcPts val="0"/>
-              </a:spcAft>
-              <a:buNone/>
-            </a:pPr>
-            <a:endParaRPr sz="1534" b="1">
-              <a:solidFill>
-                <a:schemeClr val="dk1"/>
-              </a:solidFill>
-              <a:latin typeface="Arial"/>
-              <a:ea typeface="Arial"/>
-              <a:cs typeface="Arial"/>
-              <a:sym typeface="Arial"/>
-            </a:endParaRPr>
-          </a:p>
-        </p:txBody>
-      </p:sp>
-      <p:sp>
-        <p:nvSpPr>
-          <p:cNvPr id="160" name="Google Shape;160;p18"/>
-          <p:cNvSpPr/>
-          <p:nvPr/>
-        </p:nvSpPr>
-        <p:spPr>
-          <a:xfrm>
-            <a:off x="5051623" y="1930402"/>
-            <a:ext cx="1821674" cy="382161"/>
-          </a:xfrm>
-          <a:prstGeom prst="rect">
-            <a:avLst/>
-          </a:prstGeom>
-          <a:solidFill>
-            <a:srgbClr val="596273"/>
-          </a:solidFill>
-          <a:ln>
-            <a:noFill/>
-          </a:ln>
-        </p:spPr>
-        <p:txBody>
-          <a:bodyPr spcFirstLastPara="1" wrap="square" lIns="91425" tIns="45700" rIns="91425" bIns="45700" anchor="ctr" anchorCtr="0">
-            <a:noAutofit/>
-          </a:bodyPr>
-          <a:lstStyle/>
-          <a:p>
-            <a:pPr marL="0" marR="0" lvl="0" indent="0" algn="ctr" rtl="0">
-              <a:spcBef>
-                <a:spcPts val="0"/>
-              </a:spcBef>
-              <a:spcAft>
-                <a:spcPts val="0"/>
-              </a:spcAft>
-              <a:buNone/>
-            </a:pPr>
-            <a:r>
-              <a:rPr lang="ko-KR" sz="1600" b="1">
-                <a:solidFill>
-                  <a:schemeClr val="lt1"/>
-                </a:solidFill>
-                <a:latin typeface="나눔바른고딕" panose="020B0603020101020101" pitchFamily="50" charset="-127"/>
-                <a:ea typeface="나눔바른고딕" panose="020B0603020101020101" pitchFamily="50" charset="-127"/>
-                <a:sym typeface="Arial"/>
-              </a:rPr>
-              <a:t>상품</a:t>
+              <a:t>입점 게시판이 있는가?</a:t>
             </a:r>
             <a:endParaRPr>
               <a:latin typeface="나눔바른고딕" panose="020B0603020101020101" pitchFamily="50" charset="-127"/>
@@ -9757,113 +9799,15 @@
       </p:sp>
       <p:sp>
         <p:nvSpPr>
-          <p:cNvPr id="161" name="Google Shape;161;p18"/>
-          <p:cNvSpPr/>
-          <p:nvPr/>
-        </p:nvSpPr>
-        <p:spPr>
-          <a:xfrm rot="10800000" flipH="1">
-            <a:off x="5089713" y="2518361"/>
-            <a:ext cx="1745493" cy="38697"/>
-          </a:xfrm>
-          <a:prstGeom prst="rect">
-            <a:avLst/>
-          </a:prstGeom>
-          <a:solidFill>
-            <a:srgbClr val="596273"/>
-          </a:solidFill>
-          <a:ln>
-            <a:noFill/>
-          </a:ln>
-        </p:spPr>
-        <p:txBody>
-          <a:bodyPr spcFirstLastPara="1" wrap="square" lIns="91425" tIns="45700" rIns="91425" bIns="45700" anchor="ctr" anchorCtr="0">
-            <a:noAutofit/>
-          </a:bodyPr>
-          <a:lstStyle/>
-          <a:p>
-            <a:pPr marL="0" marR="0" lvl="0" indent="0" algn="ctr" rtl="0">
-              <a:spcBef>
-                <a:spcPts val="0"/>
-              </a:spcBef>
-              <a:spcAft>
-                <a:spcPts val="0"/>
-              </a:spcAft>
-              <a:buNone/>
-            </a:pPr>
-            <a:endParaRPr sz="1534" b="1">
-              <a:solidFill>
-                <a:schemeClr val="dk1"/>
-              </a:solidFill>
-              <a:latin typeface="Arial"/>
-              <a:ea typeface="Arial"/>
-              <a:cs typeface="Arial"/>
-              <a:sym typeface="Arial"/>
-            </a:endParaRPr>
-          </a:p>
-        </p:txBody>
-      </p:sp>
-      <p:sp>
-        <p:nvSpPr>
-          <p:cNvPr id="163" name="Google Shape;163;p18"/>
-          <p:cNvSpPr/>
-          <p:nvPr/>
-        </p:nvSpPr>
-        <p:spPr>
-          <a:xfrm rot="10800000">
-            <a:off x="5862498" y="2531115"/>
-            <a:ext cx="199922" cy="162899"/>
-          </a:xfrm>
-          <a:prstGeom prst="triangle">
-            <a:avLst>
-              <a:gd name="adj" fmla="val 50000"/>
-            </a:avLst>
-          </a:prstGeom>
-          <a:solidFill>
-            <a:srgbClr val="596273"/>
-          </a:solidFill>
-          <a:ln>
-            <a:noFill/>
-          </a:ln>
-        </p:spPr>
-        <p:txBody>
-          <a:bodyPr spcFirstLastPara="1" wrap="square" lIns="91425" tIns="45700" rIns="91425" bIns="45700" anchor="ctr" anchorCtr="0">
-            <a:noAutofit/>
-          </a:bodyPr>
-          <a:lstStyle/>
-          <a:p>
-            <a:pPr marL="0" marR="0" lvl="0" indent="0" algn="ctr" rtl="0">
-              <a:spcBef>
-                <a:spcPts val="0"/>
-              </a:spcBef>
-              <a:spcAft>
-                <a:spcPts val="0"/>
-              </a:spcAft>
-              <a:buNone/>
-            </a:pPr>
-            <a:endParaRPr sz="1534">
-              <a:solidFill>
-                <a:srgbClr val="FFFFFF"/>
-              </a:solidFill>
-              <a:latin typeface="Arial"/>
-              <a:ea typeface="Arial"/>
-              <a:cs typeface="Arial"/>
-              <a:sym typeface="Arial"/>
-            </a:endParaRPr>
-          </a:p>
-        </p:txBody>
-      </p:sp>
-      <p:sp>
-        <p:nvSpPr>
-          <p:cNvPr id="164" name="Google Shape;164;p18"/>
-          <p:cNvSpPr/>
-          <p:nvPr/>
-        </p:nvSpPr>
-        <p:spPr>
-          <a:xfrm>
-            <a:off x="5115037" y="2748567"/>
-            <a:ext cx="1694846" cy="2727197"/>
-          </a:xfrm>
+          <p:cNvPr id="171" name="Google Shape;171;p18"/>
+          <p:cNvSpPr txBox="1">
+            <a:spLocks noGrp="1"/>
+          </p:cNvSpPr>
+          <p:nvPr>
+            <p:ph type="title"/>
+          </p:nvPr>
+        </p:nvSpPr>
+        <p:spPr>
           <a:prstGeom prst="rect">
             <a:avLst/>
           </a:prstGeom>
@@ -9873,355 +9817,6 @@
           </a:ln>
         </p:spPr>
         <p:txBody>
-          <a:bodyPr spcFirstLastPara="1" wrap="square" lIns="91425" tIns="45700" rIns="91425" bIns="45700" anchor="t" anchorCtr="0">
-            <a:noAutofit/>
-          </a:bodyPr>
-          <a:lstStyle/>
-          <a:p>
-            <a:pPr marL="86575" marR="0" lvl="0" indent="-101600" algn="l" rtl="0">
-              <a:spcBef>
-                <a:spcPts val="0"/>
-              </a:spcBef>
-              <a:spcAft>
-                <a:spcPts val="0"/>
-              </a:spcAft>
-              <a:buClr>
-                <a:srgbClr val="3E3D43"/>
-              </a:buClr>
-              <a:buSzPts val="1600"/>
-              <a:buFont typeface="Arial"/>
-              <a:buChar char="•"/>
-            </a:pPr>
-            <a:r>
-              <a:rPr lang="ko-KR" sz="1600">
-                <a:solidFill>
-                  <a:srgbClr val="3E3D43"/>
-                </a:solidFill>
-                <a:latin typeface="나눔바른고딕" panose="020B0603020101020101" pitchFamily="50" charset="-127"/>
-                <a:ea typeface="나눔바른고딕" panose="020B0603020101020101" pitchFamily="50" charset="-127"/>
-                <a:sym typeface="Arial"/>
-              </a:rPr>
-              <a:t>상품들을 담을 수 있는가?</a:t>
-            </a:r>
-            <a:endParaRPr>
-              <a:latin typeface="나눔바른고딕" panose="020B0603020101020101" pitchFamily="50" charset="-127"/>
-              <a:ea typeface="나눔바른고딕" panose="020B0603020101020101" pitchFamily="50" charset="-127"/>
-            </a:endParaRPr>
-          </a:p>
-          <a:p>
-            <a:pPr marL="86575" marR="0" lvl="0" indent="-101600" algn="l" rtl="0">
-              <a:spcBef>
-                <a:spcPts val="681"/>
-              </a:spcBef>
-              <a:spcAft>
-                <a:spcPts val="0"/>
-              </a:spcAft>
-              <a:buClr>
-                <a:srgbClr val="3E3D43"/>
-              </a:buClr>
-              <a:buSzPts val="1600"/>
-              <a:buFont typeface="Arial"/>
-              <a:buChar char="•"/>
-            </a:pPr>
-            <a:r>
-              <a:rPr lang="ko-KR" sz="1600">
-                <a:solidFill>
-                  <a:srgbClr val="3E3D43"/>
-                </a:solidFill>
-                <a:latin typeface="나눔바른고딕" panose="020B0603020101020101" pitchFamily="50" charset="-127"/>
-                <a:ea typeface="나눔바른고딕" panose="020B0603020101020101" pitchFamily="50" charset="-127"/>
-                <a:sym typeface="Arial"/>
-              </a:rPr>
-              <a:t>비회원으로 구매 할 수 있는가?</a:t>
-            </a:r>
-            <a:endParaRPr sz="1600">
-              <a:solidFill>
-                <a:srgbClr val="3E3D43"/>
-              </a:solidFill>
-              <a:latin typeface="나눔바른고딕" panose="020B0603020101020101" pitchFamily="50" charset="-127"/>
-              <a:ea typeface="나눔바른고딕" panose="020B0603020101020101" pitchFamily="50" charset="-127"/>
-              <a:sym typeface="Arial"/>
-            </a:endParaRPr>
-          </a:p>
-        </p:txBody>
-      </p:sp>
-      <p:sp>
-        <p:nvSpPr>
-          <p:cNvPr id="165" name="Google Shape;165;p18"/>
-          <p:cNvSpPr/>
-          <p:nvPr/>
-        </p:nvSpPr>
-        <p:spPr>
-          <a:xfrm rot="10800000" flipH="1">
-            <a:off x="7062143" y="5250412"/>
-            <a:ext cx="1745493" cy="38697"/>
-          </a:xfrm>
-          <a:prstGeom prst="rect">
-            <a:avLst/>
-          </a:prstGeom>
-          <a:solidFill>
-            <a:srgbClr val="3E3D43"/>
-          </a:solidFill>
-          <a:ln>
-            <a:noFill/>
-          </a:ln>
-        </p:spPr>
-        <p:txBody>
-          <a:bodyPr spcFirstLastPara="1" wrap="square" lIns="91425" tIns="45700" rIns="91425" bIns="45700" anchor="ctr" anchorCtr="0">
-            <a:noAutofit/>
-          </a:bodyPr>
-          <a:lstStyle/>
-          <a:p>
-            <a:pPr marL="0" marR="0" lvl="0" indent="0" algn="ctr" rtl="0">
-              <a:spcBef>
-                <a:spcPts val="0"/>
-              </a:spcBef>
-              <a:spcAft>
-                <a:spcPts val="0"/>
-              </a:spcAft>
-              <a:buNone/>
-            </a:pPr>
-            <a:endParaRPr sz="1534" b="1">
-              <a:solidFill>
-                <a:schemeClr val="dk1"/>
-              </a:solidFill>
-              <a:latin typeface="Arial"/>
-              <a:ea typeface="Arial"/>
-              <a:cs typeface="Arial"/>
-              <a:sym typeface="Arial"/>
-            </a:endParaRPr>
-          </a:p>
-        </p:txBody>
-      </p:sp>
-      <p:sp>
-        <p:nvSpPr>
-          <p:cNvPr id="166" name="Google Shape;166;p18"/>
-          <p:cNvSpPr/>
-          <p:nvPr/>
-        </p:nvSpPr>
-        <p:spPr>
-          <a:xfrm>
-            <a:off x="7024052" y="1930402"/>
-            <a:ext cx="1821674" cy="382161"/>
-          </a:xfrm>
-          <a:prstGeom prst="rect">
-            <a:avLst/>
-          </a:prstGeom>
-          <a:solidFill>
-            <a:srgbClr val="3E3D43"/>
-          </a:solidFill>
-          <a:ln>
-            <a:noFill/>
-          </a:ln>
-        </p:spPr>
-        <p:txBody>
-          <a:bodyPr spcFirstLastPara="1" wrap="square" lIns="91425" tIns="45700" rIns="91425" bIns="45700" anchor="ctr" anchorCtr="0">
-            <a:noAutofit/>
-          </a:bodyPr>
-          <a:lstStyle/>
-          <a:p>
-            <a:pPr marL="0" marR="0" lvl="0" indent="0" algn="ctr" rtl="0">
-              <a:spcBef>
-                <a:spcPts val="0"/>
-              </a:spcBef>
-              <a:spcAft>
-                <a:spcPts val="0"/>
-              </a:spcAft>
-              <a:buNone/>
-            </a:pPr>
-            <a:r>
-              <a:rPr lang="ko-KR" sz="1600" b="1">
-                <a:solidFill>
-                  <a:schemeClr val="lt1"/>
-                </a:solidFill>
-                <a:latin typeface="나눔바른고딕" panose="020B0603020101020101" pitchFamily="50" charset="-127"/>
-                <a:ea typeface="나눔바른고딕" panose="020B0603020101020101" pitchFamily="50" charset="-127"/>
-                <a:sym typeface="Arial"/>
-              </a:rPr>
-              <a:t>브랜드</a:t>
-            </a:r>
-            <a:endParaRPr>
-              <a:latin typeface="나눔바른고딕" panose="020B0603020101020101" pitchFamily="50" charset="-127"/>
-              <a:ea typeface="나눔바른고딕" panose="020B0603020101020101" pitchFamily="50" charset="-127"/>
-            </a:endParaRPr>
-          </a:p>
-        </p:txBody>
-      </p:sp>
-      <p:sp>
-        <p:nvSpPr>
-          <p:cNvPr id="167" name="Google Shape;167;p18"/>
-          <p:cNvSpPr/>
-          <p:nvPr/>
-        </p:nvSpPr>
-        <p:spPr>
-          <a:xfrm rot="10800000" flipH="1">
-            <a:off x="7062143" y="2518361"/>
-            <a:ext cx="1745493" cy="38697"/>
-          </a:xfrm>
-          <a:prstGeom prst="rect">
-            <a:avLst/>
-          </a:prstGeom>
-          <a:solidFill>
-            <a:srgbClr val="3E3D43"/>
-          </a:solidFill>
-          <a:ln>
-            <a:noFill/>
-          </a:ln>
-        </p:spPr>
-        <p:txBody>
-          <a:bodyPr spcFirstLastPara="1" wrap="square" lIns="91425" tIns="45700" rIns="91425" bIns="45700" anchor="ctr" anchorCtr="0">
-            <a:noAutofit/>
-          </a:bodyPr>
-          <a:lstStyle/>
-          <a:p>
-            <a:pPr marL="0" marR="0" lvl="0" indent="0" algn="ctr" rtl="0">
-              <a:spcBef>
-                <a:spcPts val="0"/>
-              </a:spcBef>
-              <a:spcAft>
-                <a:spcPts val="0"/>
-              </a:spcAft>
-              <a:buNone/>
-            </a:pPr>
-            <a:endParaRPr sz="1534" b="1">
-              <a:solidFill>
-                <a:schemeClr val="dk1"/>
-              </a:solidFill>
-              <a:latin typeface="Arial"/>
-              <a:ea typeface="Arial"/>
-              <a:cs typeface="Arial"/>
-              <a:sym typeface="Arial"/>
-            </a:endParaRPr>
-          </a:p>
-        </p:txBody>
-      </p:sp>
-      <p:sp>
-        <p:nvSpPr>
-          <p:cNvPr id="169" name="Google Shape;169;p18"/>
-          <p:cNvSpPr/>
-          <p:nvPr/>
-        </p:nvSpPr>
-        <p:spPr>
-          <a:xfrm rot="10800000">
-            <a:off x="7834927" y="2531115"/>
-            <a:ext cx="199922" cy="162899"/>
-          </a:xfrm>
-          <a:prstGeom prst="triangle">
-            <a:avLst>
-              <a:gd name="adj" fmla="val 50000"/>
-            </a:avLst>
-          </a:prstGeom>
-          <a:solidFill>
-            <a:srgbClr val="3E3D43"/>
-          </a:solidFill>
-          <a:ln>
-            <a:noFill/>
-          </a:ln>
-        </p:spPr>
-        <p:txBody>
-          <a:bodyPr spcFirstLastPara="1" wrap="square" lIns="91425" tIns="45700" rIns="91425" bIns="45700" anchor="ctr" anchorCtr="0">
-            <a:noAutofit/>
-          </a:bodyPr>
-          <a:lstStyle/>
-          <a:p>
-            <a:pPr marL="0" marR="0" lvl="0" indent="0" algn="ctr" rtl="0">
-              <a:spcBef>
-                <a:spcPts val="0"/>
-              </a:spcBef>
-              <a:spcAft>
-                <a:spcPts val="0"/>
-              </a:spcAft>
-              <a:buNone/>
-            </a:pPr>
-            <a:endParaRPr sz="1534" b="1">
-              <a:solidFill>
-                <a:schemeClr val="dk1"/>
-              </a:solidFill>
-              <a:latin typeface="Arial"/>
-              <a:ea typeface="Arial"/>
-              <a:cs typeface="Arial"/>
-              <a:sym typeface="Arial"/>
-            </a:endParaRPr>
-          </a:p>
-        </p:txBody>
-      </p:sp>
-      <p:sp>
-        <p:nvSpPr>
-          <p:cNvPr id="170" name="Google Shape;170;p18"/>
-          <p:cNvSpPr/>
-          <p:nvPr/>
-        </p:nvSpPr>
-        <p:spPr>
-          <a:xfrm>
-            <a:off x="7087467" y="2748567"/>
-            <a:ext cx="1694846" cy="2727197"/>
-          </a:xfrm>
-          <a:prstGeom prst="rect">
-            <a:avLst/>
-          </a:prstGeom>
-          <a:noFill/>
-          <a:ln>
-            <a:noFill/>
-          </a:ln>
-        </p:spPr>
-        <p:txBody>
-          <a:bodyPr spcFirstLastPara="1" wrap="square" lIns="91425" tIns="45700" rIns="91425" bIns="45700" anchor="t" anchorCtr="0">
-            <a:noAutofit/>
-          </a:bodyPr>
-          <a:lstStyle/>
-          <a:p>
-            <a:pPr marL="86575" marR="0" lvl="0" indent="-101600" algn="l" rtl="0">
-              <a:spcBef>
-                <a:spcPts val="0"/>
-              </a:spcBef>
-              <a:spcAft>
-                <a:spcPts val="0"/>
-              </a:spcAft>
-              <a:buClr>
-                <a:srgbClr val="3E3D43"/>
-              </a:buClr>
-              <a:buSzPts val="1600"/>
-              <a:buFont typeface="Arial"/>
-              <a:buChar char="•"/>
-            </a:pPr>
-            <a:r>
-              <a:rPr lang="ko-KR" sz="1600">
-                <a:solidFill>
-                  <a:srgbClr val="3E3D43"/>
-                </a:solidFill>
-                <a:latin typeface="나눔바른고딕" panose="020B0603020101020101" pitchFamily="50" charset="-127"/>
-                <a:ea typeface="나눔바른고딕" panose="020B0603020101020101" pitchFamily="50" charset="-127"/>
-                <a:sym typeface="Arial"/>
-              </a:rPr>
-              <a:t>입점 게시판이 있는가?</a:t>
-            </a:r>
-            <a:endParaRPr>
-              <a:latin typeface="나눔바른고딕" panose="020B0603020101020101" pitchFamily="50" charset="-127"/>
-              <a:ea typeface="나눔바른고딕" panose="020B0603020101020101" pitchFamily="50" charset="-127"/>
-            </a:endParaRPr>
-          </a:p>
-        </p:txBody>
-      </p:sp>
-      <p:sp>
-        <p:nvSpPr>
-          <p:cNvPr id="171" name="Google Shape;171;p18"/>
-          <p:cNvSpPr txBox="1">
-            <a:spLocks noGrp="1"/>
-          </p:cNvSpPr>
-          <p:nvPr>
-            <p:ph type="title"/>
-          </p:nvPr>
-        </p:nvSpPr>
-        <p:spPr>
-          <a:prstGeom prst="rect">
-            <a:avLst/>
-          </a:prstGeom>
-          <a:noFill/>
-          <a:ln>
-            <a:noFill/>
-          </a:ln>
-        </p:spPr>
-        <p:txBody>
           <a:bodyPr spcFirstLastPara="1" wrap="square" lIns="91425" tIns="45700" rIns="91425" bIns="45700" anchor="ctr" anchorCtr="0">
             <a:noAutofit/>
           </a:bodyPr>
@@ -10245,11 +9840,11 @@
               <a:buNone/>
             </a:pPr>
             <a:r>
-              <a:rPr lang="ko-KR" dirty="0">
+              <a:rPr lang="ko-KR" altLang="en-US" dirty="0" smtClean="0">
                 <a:latin typeface="나눔바른고딕" panose="020B0603020101020101" pitchFamily="50" charset="-127"/>
                 <a:ea typeface="나눔바른고딕" panose="020B0603020101020101" pitchFamily="50" charset="-127"/>
               </a:rPr>
-              <a:t>무엇이 필요한가?</a:t>
+              <a:t>기능</a:t>
             </a:r>
             <a:endParaRPr dirty="0">
               <a:latin typeface="나눔바른고딕" panose="020B0603020101020101" pitchFamily="50" charset="-127"/>
@@ -10389,121 +9984,6 @@
 </file>
 
 <file path=ppt/slides/slide7.xml><?xml version="1.0" encoding="utf-8"?>
-<p:sld xmlns:a="http://schemas.openxmlformats.org/drawingml/2006/main" xmlns:r="http://schemas.openxmlformats.org/officeDocument/2006/relationships" xmlns:p="http://schemas.openxmlformats.org/presentationml/2006/main">
-  <p:cSld>
-    <p:spTree>
-      <p:nvGrpSpPr>
-        <p:cNvPr id="1" name="Shape 183"/>
-        <p:cNvGrpSpPr/>
-        <p:nvPr/>
-      </p:nvGrpSpPr>
-      <p:grpSpPr>
-        <a:xfrm>
-          <a:off x="0" y="0"/>
-          <a:ext cx="0" cy="0"/>
-          <a:chOff x="0" y="0"/>
-          <a:chExt cx="0" cy="0"/>
-        </a:xfrm>
-      </p:grpSpPr>
-      <p:sp>
-        <p:nvSpPr>
-          <p:cNvPr id="184" name="Google Shape;184;p20"/>
-          <p:cNvSpPr txBox="1">
-            <a:spLocks noGrp="1"/>
-          </p:cNvSpPr>
-          <p:nvPr>
-            <p:ph type="title"/>
-          </p:nvPr>
-        </p:nvSpPr>
-        <p:spPr>
-          <a:prstGeom prst="rect">
-            <a:avLst/>
-          </a:prstGeom>
-          <a:noFill/>
-          <a:ln>
-            <a:noFill/>
-          </a:ln>
-        </p:spPr>
-        <p:txBody>
-          <a:bodyPr spcFirstLastPara="1" wrap="square" lIns="91425" tIns="45700" rIns="91425" bIns="45700" anchor="ctr" anchorCtr="0">
-            <a:noAutofit/>
-          </a:bodyPr>
-          <a:lstStyle/>
-          <a:p>
-            <a:pPr marL="0" lvl="0" indent="0" algn="l" rtl="0">
-              <a:lnSpc>
-                <a:spcPct val="90000"/>
-              </a:lnSpc>
-              <a:spcBef>
-                <a:spcPts val="0"/>
-              </a:spcBef>
-              <a:spcAft>
-                <a:spcPts val="0"/>
-              </a:spcAft>
-              <a:buClr>
-                <a:schemeClr val="lt1"/>
-              </a:buClr>
-              <a:buSzPts val="3600"/>
-              <a:buFont typeface="Arial"/>
-              <a:buNone/>
-            </a:pPr>
-            <a:r>
-              <a:rPr lang="ko-KR" dirty="0">
-                <a:latin typeface="나눔바른고딕" panose="020B0603020101020101" pitchFamily="50" charset="-127"/>
-                <a:ea typeface="나눔바른고딕" panose="020B0603020101020101" pitchFamily="50" charset="-127"/>
-              </a:rPr>
-              <a:t>벤치마킹</a:t>
-            </a:r>
-            <a:endParaRPr dirty="0">
-              <a:latin typeface="나눔바른고딕" panose="020B0603020101020101" pitchFamily="50" charset="-127"/>
-              <a:ea typeface="나눔바른고딕" panose="020B0603020101020101" pitchFamily="50" charset="-127"/>
-            </a:endParaRPr>
-          </a:p>
-        </p:txBody>
-      </p:sp>
-      <p:pic>
-        <p:nvPicPr>
-          <p:cNvPr id="185" name="Google Shape;185;p20" descr="C:\Users\shin5\Desktop\바이비기닝.JPG"/>
-          <p:cNvPicPr preferRelativeResize="0"/>
-          <p:nvPr/>
-        </p:nvPicPr>
-        <p:blipFill rotWithShape="1">
-          <a:blip r:embed="rId3">
-            <a:alphaModFix/>
-          </a:blip>
-          <a:srcRect/>
-          <a:stretch/>
-        </p:blipFill>
-        <p:spPr>
-          <a:xfrm>
-            <a:off x="504826" y="2047875"/>
-            <a:ext cx="9077325" cy="4600575"/>
-          </a:xfrm>
-          <a:prstGeom prst="rect">
-            <a:avLst/>
-          </a:prstGeom>
-          <a:noFill/>
-          <a:ln>
-            <a:noFill/>
-          </a:ln>
-        </p:spPr>
-      </p:pic>
-    </p:spTree>
-  </p:cSld>
-  <p:clrMapOvr>
-    <a:masterClrMapping/>
-  </p:clrMapOvr>
-  <p:timing>
-    <p:tnLst>
-      <p:par>
-        <p:cTn id="1" dur="indefinite" restart="never" nodeType="tmRoot"/>
-      </p:par>
-    </p:tnLst>
-  </p:timing>
-</p:sld>
-</file>
-
-<file path=ppt/slides/slide8.xml><?xml version="1.0" encoding="utf-8"?>
 <p:sld xmlns:a="http://schemas.openxmlformats.org/drawingml/2006/main" xmlns:r="http://schemas.openxmlformats.org/officeDocument/2006/relationships" xmlns:p="http://schemas.openxmlformats.org/presentationml/2006/main">
   <p:cSld>
     <p:spTree>
